--- a/xbarta47_xcigan09_gja_prezentace.pptx
+++ b/xbarta47_xcigan09_gja_prezentace.pptx
@@ -5,11 +5,15 @@
     <p:sldMasterId id="2147483648" r:id="rId1"/>
   </p:sldMasterIdLst>
   <p:notesMasterIdLst>
-    <p:notesMasterId r:id="rId4"/>
+    <p:notesMasterId r:id="rId8"/>
   </p:notesMasterIdLst>
   <p:sldIdLst>
     <p:sldId id="285" r:id="rId2"/>
-    <p:sldId id="282" r:id="rId3"/>
+    <p:sldId id="298" r:id="rId3"/>
+    <p:sldId id="297" r:id="rId4"/>
+    <p:sldId id="286" r:id="rId5"/>
+    <p:sldId id="287" r:id="rId6"/>
+    <p:sldId id="288" r:id="rId7"/>
   </p:sldIdLst>
   <p:sldSz cx="9144000" cy="6858000" type="screen4x3"/>
   <p:notesSz cx="6858000" cy="9144000"/>
@@ -551,90 +555,6 @@
     <p:extLst>
       <p:ext uri="{BB962C8B-B14F-4D97-AF65-F5344CB8AC3E}">
         <p14:creationId xmlns:p14="http://schemas.microsoft.com/office/powerpoint/2010/main" val="4049067271"/>
-      </p:ext>
-    </p:extLst>
-  </p:cSld>
-  <p:clrMapOvr>
-    <a:masterClrMapping/>
-  </p:clrMapOvr>
-</p:notes>
-</file>
-
-<file path=ppt/notesSlides/notesSlide2.xml><?xml version="1.0" encoding="utf-8"?>
-<p:notes xmlns:a="http://schemas.openxmlformats.org/drawingml/2006/main" xmlns:r="http://schemas.openxmlformats.org/officeDocument/2006/relationships" xmlns:p="http://schemas.openxmlformats.org/presentationml/2006/main">
-  <p:cSld>
-    <p:spTree>
-      <p:nvGrpSpPr>
-        <p:cNvPr id="1" name=""/>
-        <p:cNvGrpSpPr/>
-        <p:nvPr/>
-      </p:nvGrpSpPr>
-      <p:grpSpPr>
-        <a:xfrm>
-          <a:off x="0" y="0"/>
-          <a:ext cx="0" cy="0"/>
-          <a:chOff x="0" y="0"/>
-          <a:chExt cx="0" cy="0"/>
-        </a:xfrm>
-      </p:grpSpPr>
-      <p:sp>
-        <p:nvSpPr>
-          <p:cNvPr id="2" name="Zástupný symbol pro obrázek snímku 1"/>
-          <p:cNvSpPr>
-            <a:spLocks noGrp="1" noRot="1" noChangeAspect="1"/>
-          </p:cNvSpPr>
-          <p:nvPr>
-            <p:ph type="sldImg"/>
-          </p:nvPr>
-        </p:nvSpPr>
-        <p:spPr/>
-      </p:sp>
-      <p:sp>
-        <p:nvSpPr>
-          <p:cNvPr id="3" name="Zástupný symbol pro poznámky 2"/>
-          <p:cNvSpPr>
-            <a:spLocks noGrp="1"/>
-          </p:cNvSpPr>
-          <p:nvPr>
-            <p:ph type="body" idx="1"/>
-          </p:nvPr>
-        </p:nvSpPr>
-        <p:spPr/>
-        <p:txBody>
-          <a:bodyPr/>
-          <a:lstStyle/>
-          <a:p>
-            <a:endParaRPr lang="cs-CZ"/>
-          </a:p>
-        </p:txBody>
-      </p:sp>
-      <p:sp>
-        <p:nvSpPr>
-          <p:cNvPr id="4" name="Zástupný symbol pro číslo snímku 3"/>
-          <p:cNvSpPr>
-            <a:spLocks noGrp="1"/>
-          </p:cNvSpPr>
-          <p:nvPr>
-            <p:ph type="sldNum" sz="quarter" idx="10"/>
-          </p:nvPr>
-        </p:nvSpPr>
-        <p:spPr/>
-        <p:txBody>
-          <a:bodyPr/>
-          <a:lstStyle/>
-          <a:p>
-            <a:fld id="{EE1BD250-9BF5-4AE8-86BD-080F3A22271A}" type="slidenum">
-              <a:rPr lang="cs-CZ" smtClean="0"/>
-              <a:t>2</a:t>
-            </a:fld>
-            <a:endParaRPr lang="cs-CZ"/>
-          </a:p>
-        </p:txBody>
-      </p:sp>
-    </p:spTree>
-    <p:extLst>
-      <p:ext uri="{BB962C8B-B14F-4D97-AF65-F5344CB8AC3E}">
-        <p14:creationId xmlns:p14="http://schemas.microsoft.com/office/powerpoint/2010/main" val="3555315316"/>
       </p:ext>
     </p:extLst>
   </p:cSld>
@@ -2142,55 +2062,785 @@
       </p:grpSpPr>
       <p:sp>
         <p:nvSpPr>
-          <p:cNvPr id="2" name="TextovéPole 1"/>
-          <p:cNvSpPr txBox="1"/>
-          <p:nvPr/>
-        </p:nvSpPr>
+          <p:cNvPr id="2" name="Nadpis 1">
+            <a:extLst>
+              <a:ext uri="{FF2B5EF4-FFF2-40B4-BE49-F238E27FC236}">
+                <a16:creationId xmlns:a16="http://schemas.microsoft.com/office/drawing/2014/main" id="{144DD484-C735-7925-2824-A39161B230FE}"/>
+              </a:ext>
+            </a:extLst>
+          </p:cNvPr>
+          <p:cNvSpPr>
+            <a:spLocks noGrp="1"/>
+          </p:cNvSpPr>
+          <p:nvPr>
+            <p:ph type="title"/>
+          </p:nvPr>
+        </p:nvSpPr>
+        <p:spPr/>
+        <p:txBody>
+          <a:bodyPr/>
+          <a:lstStyle/>
+          <a:p>
+            <a:pPr algn="l"/>
+            <a:r>
+              <a:rPr lang="cs-CZ" dirty="0"/>
+              <a:t>Cíle</a:t>
+            </a:r>
+          </a:p>
+        </p:txBody>
+      </p:sp>
+      <p:sp>
+        <p:nvSpPr>
+          <p:cNvPr id="3" name="Zástupný obsah 2">
+            <a:extLst>
+              <a:ext uri="{FF2B5EF4-FFF2-40B4-BE49-F238E27FC236}">
+                <a16:creationId xmlns:a16="http://schemas.microsoft.com/office/drawing/2014/main" id="{CF4501AC-68C7-0698-D944-083CDEF71074}"/>
+              </a:ext>
+            </a:extLst>
+          </p:cNvPr>
+          <p:cNvSpPr>
+            <a:spLocks noGrp="1"/>
+          </p:cNvSpPr>
+          <p:nvPr>
+            <p:ph idx="1"/>
+          </p:nvPr>
+        </p:nvSpPr>
+        <p:spPr/>
+        <p:txBody>
+          <a:bodyPr/>
+          <a:lstStyle/>
+          <a:p>
+            <a:pPr marL="457200" indent="-457200" algn="l">
+              <a:buFontTx/>
+              <a:buChar char="-"/>
+            </a:pPr>
+            <a:r>
+              <a:rPr lang="cs-CZ" dirty="0"/>
+              <a:t>Aktualizovat příklady</a:t>
+            </a:r>
+          </a:p>
+          <a:p>
+            <a:pPr marL="457200" indent="-457200" algn="l">
+              <a:buFontTx/>
+              <a:buChar char="-"/>
+            </a:pPr>
+            <a:r>
+              <a:rPr lang="cs-CZ" dirty="0"/>
+              <a:t>Zredukovat četnost</a:t>
+            </a:r>
+          </a:p>
+          <a:p>
+            <a:pPr marL="457200" indent="-457200" algn="l">
+              <a:buFontTx/>
+              <a:buChar char="-"/>
+            </a:pPr>
+            <a:r>
+              <a:rPr lang="cs-CZ" dirty="0"/>
+              <a:t>Vytvořit nové</a:t>
+            </a:r>
+          </a:p>
+        </p:txBody>
+      </p:sp>
+    </p:spTree>
+    <p:extLst>
+      <p:ext uri="{BB962C8B-B14F-4D97-AF65-F5344CB8AC3E}">
+        <p14:creationId xmlns:p14="http://schemas.microsoft.com/office/powerpoint/2010/main" val="2567514274"/>
+      </p:ext>
+    </p:extLst>
+  </p:cSld>
+  <p:clrMapOvr>
+    <a:masterClrMapping/>
+  </p:clrMapOvr>
+</p:sld>
+</file>
+
+<file path=ppt/slides/slide3.xml><?xml version="1.0" encoding="utf-8"?>
+<p:sld xmlns:a="http://schemas.openxmlformats.org/drawingml/2006/main" xmlns:r="http://schemas.openxmlformats.org/officeDocument/2006/relationships" xmlns:p="http://schemas.openxmlformats.org/presentationml/2006/main">
+  <p:cSld>
+    <p:spTree>
+      <p:nvGrpSpPr>
+        <p:cNvPr id="1" name=""/>
+        <p:cNvGrpSpPr/>
+        <p:nvPr/>
+      </p:nvGrpSpPr>
+      <p:grpSpPr>
+        <a:xfrm>
+          <a:off x="0" y="0"/>
+          <a:ext cx="0" cy="0"/>
+          <a:chOff x="0" y="0"/>
+          <a:chExt cx="0" cy="0"/>
+        </a:xfrm>
+      </p:grpSpPr>
+      <p:sp>
+        <p:nvSpPr>
+          <p:cNvPr id="2" name="Nadpis 1">
+            <a:extLst>
+              <a:ext uri="{FF2B5EF4-FFF2-40B4-BE49-F238E27FC236}">
+                <a16:creationId xmlns:a16="http://schemas.microsoft.com/office/drawing/2014/main" id="{7F272B4C-E347-7716-7531-BDBA7E5FCE50}"/>
+              </a:ext>
+            </a:extLst>
+          </p:cNvPr>
+          <p:cNvSpPr>
+            <a:spLocks noGrp="1"/>
+          </p:cNvSpPr>
+          <p:nvPr>
+            <p:ph type="title"/>
+          </p:nvPr>
+        </p:nvSpPr>
+        <p:spPr/>
+        <p:txBody>
+          <a:bodyPr/>
+          <a:lstStyle/>
+          <a:p>
+            <a:pPr algn="l"/>
+            <a:r>
+              <a:rPr lang="cs-CZ" dirty="0"/>
+              <a:t>Nástroje</a:t>
+            </a:r>
+          </a:p>
+        </p:txBody>
+      </p:sp>
+      <p:pic>
+        <p:nvPicPr>
+          <p:cNvPr id="5" name="Zástupný obsah 4">
+            <a:extLst>
+              <a:ext uri="{FF2B5EF4-FFF2-40B4-BE49-F238E27FC236}">
+                <a16:creationId xmlns:a16="http://schemas.microsoft.com/office/drawing/2014/main" id="{9077A39C-548E-9B76-BD80-B1AF3774F62A}"/>
+              </a:ext>
+            </a:extLst>
+          </p:cNvPr>
+          <p:cNvPicPr>
+            <a:picLocks noGrp="1" noChangeAspect="1"/>
+          </p:cNvPicPr>
+          <p:nvPr>
+            <p:ph idx="1"/>
+          </p:nvPr>
+        </p:nvPicPr>
+        <p:blipFill>
+          <a:blip r:embed="rId2">
+            <a:extLst>
+              <a:ext uri="{28A0092B-C50C-407E-A947-70E740481C1C}">
+                <a14:useLocalDpi xmlns:a14="http://schemas.microsoft.com/office/drawing/2010/main" val="0"/>
+              </a:ext>
+              <a:ext uri="{96DAC541-7B7A-43D3-8B79-37D633B846F1}">
+                <asvg:svgBlip xmlns:asvg="http://schemas.microsoft.com/office/drawing/2016/SVG/main" r:embed="rId3"/>
+              </a:ext>
+            </a:extLst>
+          </a:blip>
+          <a:stretch>
+            <a:fillRect/>
+          </a:stretch>
+        </p:blipFill>
         <p:spPr>
           <a:xfrm>
-            <a:off x="0" y="2052131"/>
-            <a:ext cx="9144000" cy="1938992"/>
+            <a:off x="1259632" y="4013248"/>
+            <a:ext cx="2024500" cy="2334558"/>
+          </a:xfrm>
+        </p:spPr>
+      </p:pic>
+      <p:pic>
+        <p:nvPicPr>
+          <p:cNvPr id="9" name="Obrázek 8">
+            <a:extLst>
+              <a:ext uri="{FF2B5EF4-FFF2-40B4-BE49-F238E27FC236}">
+                <a16:creationId xmlns:a16="http://schemas.microsoft.com/office/drawing/2014/main" id="{549B9649-8E65-515C-EBEB-CF24559C6974}"/>
+              </a:ext>
+            </a:extLst>
+          </p:cNvPr>
+          <p:cNvPicPr>
+            <a:picLocks noChangeAspect="1"/>
+          </p:cNvPicPr>
+          <p:nvPr/>
+        </p:nvPicPr>
+        <p:blipFill>
+          <a:blip r:embed="rId4" cstate="print">
+            <a:extLst>
+              <a:ext uri="{28A0092B-C50C-407E-A947-70E740481C1C}">
+                <a14:useLocalDpi xmlns:a14="http://schemas.microsoft.com/office/drawing/2010/main" val="0"/>
+              </a:ext>
+            </a:extLst>
+          </a:blip>
+          <a:stretch>
+            <a:fillRect/>
+          </a:stretch>
+        </p:blipFill>
+        <p:spPr>
+          <a:xfrm>
+            <a:off x="3995936" y="1548514"/>
+            <a:ext cx="4856662" cy="1635076"/>
           </a:xfrm>
           <a:prstGeom prst="rect">
             <a:avLst/>
           </a:prstGeom>
-          <a:noFill/>
         </p:spPr>
-        <p:txBody>
-          <a:bodyPr wrap="square" rtlCol="0">
-            <a:spAutoFit/>
-          </a:bodyPr>
-          <a:lstStyle/>
-          <a:p>
-            <a:pPr algn="ctr"/>
-            <a:r>
-              <a:rPr lang="cs-CZ" sz="4000" b="1" dirty="0">
-                <a:latin typeface="+mj-lt"/>
-              </a:rPr>
-              <a:t>děkujeme Vám</a:t>
-            </a:r>
-          </a:p>
-          <a:p>
-            <a:pPr algn="ctr"/>
-            <a:r>
-              <a:rPr lang="cs-CZ" sz="4000" b="1" dirty="0">
-                <a:latin typeface="+mj-lt"/>
-              </a:rPr>
-              <a:t>za pozornost</a:t>
-            </a:r>
-          </a:p>
-          <a:p>
-            <a:pPr algn="ctr"/>
-            <a:endParaRPr lang="cs-CZ" sz="4000" dirty="0">
-              <a:latin typeface="+mj-lt"/>
-            </a:endParaRPr>
-          </a:p>
-        </p:txBody>
-      </p:sp>
+      </p:pic>
+      <p:pic>
+        <p:nvPicPr>
+          <p:cNvPr id="11" name="Obrázek 10">
+            <a:extLst>
+              <a:ext uri="{FF2B5EF4-FFF2-40B4-BE49-F238E27FC236}">
+                <a16:creationId xmlns:a16="http://schemas.microsoft.com/office/drawing/2014/main" id="{E435083C-F3DE-F030-A7F1-92B88D01F8BF}"/>
+              </a:ext>
+            </a:extLst>
+          </p:cNvPr>
+          <p:cNvPicPr>
+            <a:picLocks noChangeAspect="1"/>
+          </p:cNvPicPr>
+          <p:nvPr/>
+        </p:nvPicPr>
+        <p:blipFill>
+          <a:blip r:embed="rId5">
+            <a:extLst>
+              <a:ext uri="{28A0092B-C50C-407E-A947-70E740481C1C}">
+                <a14:useLocalDpi xmlns:a14="http://schemas.microsoft.com/office/drawing/2010/main" val="0"/>
+              </a:ext>
+            </a:extLst>
+          </a:blip>
+          <a:stretch>
+            <a:fillRect/>
+          </a:stretch>
+        </p:blipFill>
+        <p:spPr>
+          <a:xfrm>
+            <a:off x="633459" y="972846"/>
+            <a:ext cx="2786413" cy="2786413"/>
+          </a:xfrm>
+          <a:prstGeom prst="rect">
+            <a:avLst/>
+          </a:prstGeom>
+        </p:spPr>
+      </p:pic>
+      <p:pic>
+        <p:nvPicPr>
+          <p:cNvPr id="13" name="Obrázek 12" descr="Obsah obrázku text, klipart&#10;&#10;Popis byl vytvořen automaticky">
+            <a:extLst>
+              <a:ext uri="{FF2B5EF4-FFF2-40B4-BE49-F238E27FC236}">
+                <a16:creationId xmlns:a16="http://schemas.microsoft.com/office/drawing/2014/main" id="{8E76C74B-BA14-3B2B-930F-55093A62610D}"/>
+              </a:ext>
+            </a:extLst>
+          </p:cNvPr>
+          <p:cNvPicPr>
+            <a:picLocks noChangeAspect="1"/>
+          </p:cNvPicPr>
+          <p:nvPr/>
+        </p:nvPicPr>
+        <p:blipFill>
+          <a:blip r:embed="rId6" cstate="print">
+            <a:extLst>
+              <a:ext uri="{28A0092B-C50C-407E-A947-70E740481C1C}">
+                <a14:useLocalDpi xmlns:a14="http://schemas.microsoft.com/office/drawing/2010/main" val="0"/>
+              </a:ext>
+            </a:extLst>
+          </a:blip>
+          <a:stretch>
+            <a:fillRect/>
+          </a:stretch>
+        </p:blipFill>
+        <p:spPr>
+          <a:xfrm>
+            <a:off x="4690864" y="4293096"/>
+            <a:ext cx="3995936" cy="1774862"/>
+          </a:xfrm>
+          <a:prstGeom prst="rect">
+            <a:avLst/>
+          </a:prstGeom>
+        </p:spPr>
+      </p:pic>
     </p:spTree>
     <p:extLst>
       <p:ext uri="{BB962C8B-B14F-4D97-AF65-F5344CB8AC3E}">
-        <p14:creationId xmlns:p14="http://schemas.microsoft.com/office/powerpoint/2010/main" val="3988857411"/>
+        <p14:creationId xmlns:p14="http://schemas.microsoft.com/office/powerpoint/2010/main" val="60037665"/>
+      </p:ext>
+    </p:extLst>
+  </p:cSld>
+  <p:clrMapOvr>
+    <a:masterClrMapping/>
+  </p:clrMapOvr>
+</p:sld>
+</file>
+
+<file path=ppt/slides/slide4.xml><?xml version="1.0" encoding="utf-8"?>
+<p:sld xmlns:a="http://schemas.openxmlformats.org/drawingml/2006/main" xmlns:r="http://schemas.openxmlformats.org/officeDocument/2006/relationships" xmlns:p="http://schemas.openxmlformats.org/presentationml/2006/main">
+  <p:cSld>
+    <p:spTree>
+      <p:nvGrpSpPr>
+        <p:cNvPr id="1" name=""/>
+        <p:cNvGrpSpPr/>
+        <p:nvPr/>
+      </p:nvGrpSpPr>
+      <p:grpSpPr>
+        <a:xfrm>
+          <a:off x="0" y="0"/>
+          <a:ext cx="0" cy="0"/>
+          <a:chOff x="0" y="0"/>
+          <a:chExt cx="0" cy="0"/>
+        </a:xfrm>
+      </p:grpSpPr>
+      <p:sp>
+        <p:nvSpPr>
+          <p:cNvPr id="2" name="Nadpis 1">
+            <a:extLst>
+              <a:ext uri="{FF2B5EF4-FFF2-40B4-BE49-F238E27FC236}">
+                <a16:creationId xmlns:a16="http://schemas.microsoft.com/office/drawing/2014/main" id="{F53701C5-8B8B-9139-C958-9008A6115354}"/>
+              </a:ext>
+            </a:extLst>
+          </p:cNvPr>
+          <p:cNvSpPr>
+            <a:spLocks noGrp="1"/>
+          </p:cNvSpPr>
+          <p:nvPr>
+            <p:ph type="title"/>
+          </p:nvPr>
+        </p:nvSpPr>
+        <p:spPr/>
+        <p:txBody>
+          <a:bodyPr/>
+          <a:lstStyle/>
+          <a:p>
+            <a:pPr algn="l"/>
+            <a:r>
+              <a:rPr lang="cs-CZ" dirty="0"/>
+              <a:t>Dokumentace</a:t>
+            </a:r>
+          </a:p>
+        </p:txBody>
+      </p:sp>
+      <p:sp>
+        <p:nvSpPr>
+          <p:cNvPr id="3" name="Zástupný obsah 2">
+            <a:extLst>
+              <a:ext uri="{FF2B5EF4-FFF2-40B4-BE49-F238E27FC236}">
+                <a16:creationId xmlns:a16="http://schemas.microsoft.com/office/drawing/2014/main" id="{4D631115-53FB-A75D-8DEB-21D9C1F506D6}"/>
+              </a:ext>
+            </a:extLst>
+          </p:cNvPr>
+          <p:cNvSpPr>
+            <a:spLocks noGrp="1"/>
+          </p:cNvSpPr>
+          <p:nvPr>
+            <p:ph idx="1"/>
+          </p:nvPr>
+        </p:nvSpPr>
+        <p:spPr/>
+        <p:txBody>
+          <a:bodyPr/>
+          <a:lstStyle/>
+          <a:p>
+            <a:pPr marL="457200" indent="-457200" algn="l">
+              <a:buFontTx/>
+              <a:buChar char="-"/>
+            </a:pPr>
+            <a:r>
+              <a:rPr lang="cs-CZ" sz="2400" dirty="0"/>
+              <a:t>„Velké“ PDF s návodem na instalaci a zprovoznění GF7, NB16 a JDK17 (JEE10). A popisem všech projektů.</a:t>
+            </a:r>
+          </a:p>
+          <a:p>
+            <a:pPr marL="457200" indent="-457200" algn="l">
+              <a:buFontTx/>
+              <a:buChar char="-"/>
+            </a:pPr>
+            <a:r>
+              <a:rPr lang="cs-CZ" sz="2400" dirty="0"/>
+              <a:t>Dílčí dokumentace pro každý příkladový projekt (lepší distribuce pro studenty).</a:t>
+            </a:r>
+          </a:p>
+          <a:p>
+            <a:pPr marL="457200" indent="-457200" algn="l">
+              <a:buFontTx/>
+              <a:buChar char="-"/>
+            </a:pPr>
+            <a:r>
+              <a:rPr lang="cs-CZ" sz="2400" dirty="0"/>
+              <a:t>Navíc </a:t>
+            </a:r>
+            <a:r>
+              <a:rPr lang="cs-CZ" sz="2400" dirty="0" err="1"/>
+              <a:t>Javadoc</a:t>
+            </a:r>
+            <a:r>
+              <a:rPr lang="cs-CZ" sz="2400" dirty="0"/>
+              <a:t> v doc/ adresáři v každém projektu.</a:t>
+            </a:r>
+          </a:p>
+          <a:p>
+            <a:pPr marL="457200" indent="-457200" algn="l">
+              <a:buFontTx/>
+              <a:buChar char="-"/>
+            </a:pPr>
+            <a:r>
+              <a:rPr lang="cs-CZ" sz="2400" dirty="0"/>
+              <a:t>Komentáře v kódu.</a:t>
+            </a:r>
+          </a:p>
+        </p:txBody>
+      </p:sp>
+    </p:spTree>
+    <p:extLst>
+      <p:ext uri="{BB962C8B-B14F-4D97-AF65-F5344CB8AC3E}">
+        <p14:creationId xmlns:p14="http://schemas.microsoft.com/office/powerpoint/2010/main" val="4124649104"/>
+      </p:ext>
+    </p:extLst>
+  </p:cSld>
+  <p:clrMapOvr>
+    <a:masterClrMapping/>
+  </p:clrMapOvr>
+</p:sld>
+</file>
+
+<file path=ppt/slides/slide5.xml><?xml version="1.0" encoding="utf-8"?>
+<p:sld xmlns:a="http://schemas.openxmlformats.org/drawingml/2006/main" xmlns:r="http://schemas.openxmlformats.org/officeDocument/2006/relationships" xmlns:p="http://schemas.openxmlformats.org/presentationml/2006/main">
+  <p:cSld>
+    <p:spTree>
+      <p:nvGrpSpPr>
+        <p:cNvPr id="1" name=""/>
+        <p:cNvGrpSpPr/>
+        <p:nvPr/>
+      </p:nvGrpSpPr>
+      <p:grpSpPr>
+        <a:xfrm>
+          <a:off x="0" y="0"/>
+          <a:ext cx="0" cy="0"/>
+          <a:chOff x="0" y="0"/>
+          <a:chExt cx="0" cy="0"/>
+        </a:xfrm>
+      </p:grpSpPr>
+      <p:sp>
+        <p:nvSpPr>
+          <p:cNvPr id="2" name="Nadpis 1">
+            <a:extLst>
+              <a:ext uri="{FF2B5EF4-FFF2-40B4-BE49-F238E27FC236}">
+                <a16:creationId xmlns:a16="http://schemas.microsoft.com/office/drawing/2014/main" id="{446FB89D-00C9-16FC-9823-BFD8729E608C}"/>
+              </a:ext>
+            </a:extLst>
+          </p:cNvPr>
+          <p:cNvSpPr>
+            <a:spLocks noGrp="1"/>
+          </p:cNvSpPr>
+          <p:nvPr>
+            <p:ph type="title"/>
+          </p:nvPr>
+        </p:nvSpPr>
+        <p:spPr/>
+        <p:txBody>
+          <a:bodyPr/>
+          <a:lstStyle/>
+          <a:p>
+            <a:pPr algn="l"/>
+            <a:r>
+              <a:rPr lang="cs-CZ" dirty="0"/>
+              <a:t>Příklady</a:t>
+            </a:r>
+          </a:p>
+        </p:txBody>
+      </p:sp>
+      <p:sp>
+        <p:nvSpPr>
+          <p:cNvPr id="3" name="Zástupný obsah 2">
+            <a:extLst>
+              <a:ext uri="{FF2B5EF4-FFF2-40B4-BE49-F238E27FC236}">
+                <a16:creationId xmlns:a16="http://schemas.microsoft.com/office/drawing/2014/main" id="{EC503F66-48F3-15A7-F13E-E717EF607EF6}"/>
+              </a:ext>
+            </a:extLst>
+          </p:cNvPr>
+          <p:cNvSpPr>
+            <a:spLocks noGrp="1"/>
+          </p:cNvSpPr>
+          <p:nvPr>
+            <p:ph idx="1"/>
+          </p:nvPr>
+        </p:nvSpPr>
+        <p:spPr/>
+        <p:txBody>
+          <a:bodyPr/>
+          <a:lstStyle/>
+          <a:p>
+            <a:pPr marL="171450" indent="-171450" algn="l">
+              <a:buFontTx/>
+              <a:buChar char="-"/>
+            </a:pPr>
+            <a:r>
+              <a:rPr lang="cs-CZ" sz="1800" dirty="0" err="1"/>
+              <a:t>Servlety</a:t>
+            </a:r>
+            <a:r>
+              <a:rPr lang="cs-CZ" sz="1800" dirty="0"/>
+              <a:t> (2 nové příklady místo starých)</a:t>
+            </a:r>
+          </a:p>
+          <a:p>
+            <a:pPr marL="171450" indent="-171450" algn="l">
+              <a:buFontTx/>
+              <a:buChar char="-"/>
+            </a:pPr>
+            <a:r>
+              <a:rPr lang="cs-CZ" sz="1800" dirty="0"/>
+              <a:t>JSP (4 upravené příklady)</a:t>
+            </a:r>
+          </a:p>
+          <a:p>
+            <a:pPr marL="171450" indent="-171450" algn="l">
+              <a:buFontTx/>
+              <a:buChar char="-"/>
+            </a:pPr>
+            <a:r>
+              <a:rPr lang="cs-CZ" sz="1800" dirty="0"/>
+              <a:t>Testování (2 nové příklady)</a:t>
+            </a:r>
+          </a:p>
+          <a:p>
+            <a:pPr marL="171450" indent="-171450" algn="l">
+              <a:buFontTx/>
+              <a:buChar char="-"/>
+            </a:pPr>
+            <a:r>
+              <a:rPr lang="cs-CZ" sz="1800" dirty="0"/>
+              <a:t>JAX a Jersey (2 upravené příklady)</a:t>
+            </a:r>
+          </a:p>
+          <a:p>
+            <a:pPr marL="171450" indent="-171450" algn="l">
+              <a:buFontTx/>
+              <a:buChar char="-"/>
+            </a:pPr>
+            <a:r>
+              <a:rPr lang="cs-CZ" sz="1800" dirty="0"/>
+              <a:t>EJB (2 upravené příklady)</a:t>
+            </a:r>
+          </a:p>
+          <a:p>
+            <a:pPr marL="171450" indent="-171450" algn="l">
+              <a:buFontTx/>
+              <a:buChar char="-"/>
+            </a:pPr>
+            <a:r>
+              <a:rPr lang="cs-CZ" sz="1800" dirty="0"/>
+              <a:t>JSF (4 upravené příklady)</a:t>
+            </a:r>
+          </a:p>
+          <a:p>
+            <a:pPr marL="171450" indent="-171450" algn="l">
+              <a:buFontTx/>
+              <a:buChar char="-"/>
+            </a:pPr>
+            <a:r>
+              <a:rPr lang="cs-CZ" sz="1800" dirty="0" err="1"/>
+              <a:t>Primefaces</a:t>
+            </a:r>
+            <a:r>
+              <a:rPr lang="cs-CZ" sz="1800" dirty="0"/>
+              <a:t> (23 aktualizovaných menších příkladů)</a:t>
+            </a:r>
+          </a:p>
+          <a:p>
+            <a:pPr marL="171450" indent="-171450" algn="l">
+              <a:buFontTx/>
+              <a:buChar char="-"/>
+            </a:pPr>
+            <a:r>
+              <a:rPr lang="cs-CZ" sz="1800" dirty="0"/>
+              <a:t>JPA (2 upravené příklady)</a:t>
+            </a:r>
+          </a:p>
+          <a:p>
+            <a:pPr marL="171450" indent="-171450" algn="l">
+              <a:buFontTx/>
+              <a:buChar char="-"/>
+            </a:pPr>
+            <a:r>
+              <a:rPr lang="cs-CZ" sz="1800" dirty="0" err="1"/>
+              <a:t>Hibernate</a:t>
+            </a:r>
+            <a:r>
+              <a:rPr lang="cs-CZ" sz="1800" dirty="0"/>
+              <a:t> (2 upravené příklady)</a:t>
+            </a:r>
+          </a:p>
+          <a:p>
+            <a:pPr marL="171450" indent="-171450" algn="l">
+              <a:buFontTx/>
+              <a:buChar char="-"/>
+            </a:pPr>
+            <a:endParaRPr lang="cs-CZ" sz="1200" dirty="0"/>
+          </a:p>
+          <a:p>
+            <a:pPr marL="171450" indent="-171450" algn="l">
+              <a:buFontTx/>
+              <a:buChar char="-"/>
+            </a:pPr>
+            <a:endParaRPr lang="cs-CZ" sz="1200" dirty="0"/>
+          </a:p>
+        </p:txBody>
+      </p:sp>
+    </p:spTree>
+    <p:extLst>
+      <p:ext uri="{BB962C8B-B14F-4D97-AF65-F5344CB8AC3E}">
+        <p14:creationId xmlns:p14="http://schemas.microsoft.com/office/powerpoint/2010/main" val="188883228"/>
+      </p:ext>
+    </p:extLst>
+  </p:cSld>
+  <p:clrMapOvr>
+    <a:masterClrMapping/>
+  </p:clrMapOvr>
+</p:sld>
+</file>
+
+<file path=ppt/slides/slide6.xml><?xml version="1.0" encoding="utf-8"?>
+<p:sld xmlns:a="http://schemas.openxmlformats.org/drawingml/2006/main" xmlns:r="http://schemas.openxmlformats.org/officeDocument/2006/relationships" xmlns:p="http://schemas.openxmlformats.org/presentationml/2006/main">
+  <p:cSld>
+    <p:spTree>
+      <p:nvGrpSpPr>
+        <p:cNvPr id="1" name=""/>
+        <p:cNvGrpSpPr/>
+        <p:nvPr/>
+      </p:nvGrpSpPr>
+      <p:grpSpPr>
+        <a:xfrm>
+          <a:off x="0" y="0"/>
+          <a:ext cx="0" cy="0"/>
+          <a:chOff x="0" y="0"/>
+          <a:chExt cx="0" cy="0"/>
+        </a:xfrm>
+      </p:grpSpPr>
+      <p:sp>
+        <p:nvSpPr>
+          <p:cNvPr id="2" name="Nadpis 1">
+            <a:extLst>
+              <a:ext uri="{FF2B5EF4-FFF2-40B4-BE49-F238E27FC236}">
+                <a16:creationId xmlns:a16="http://schemas.microsoft.com/office/drawing/2014/main" id="{28817629-68E1-7D2F-7FD5-2780C364A0BA}"/>
+              </a:ext>
+            </a:extLst>
+          </p:cNvPr>
+          <p:cNvSpPr>
+            <a:spLocks noGrp="1"/>
+          </p:cNvSpPr>
+          <p:nvPr>
+            <p:ph type="title"/>
+          </p:nvPr>
+        </p:nvSpPr>
+        <p:spPr/>
+        <p:txBody>
+          <a:bodyPr/>
+          <a:lstStyle/>
+          <a:p>
+            <a:pPr algn="l"/>
+            <a:r>
+              <a:rPr lang="cs-CZ" dirty="0" err="1"/>
+              <a:t>Zhrnutí</a:t>
+            </a:r>
+            <a:endParaRPr lang="cs-CZ" dirty="0"/>
+          </a:p>
+        </p:txBody>
+      </p:sp>
+      <p:sp>
+        <p:nvSpPr>
+          <p:cNvPr id="3" name="Zástupný obsah 2">
+            <a:extLst>
+              <a:ext uri="{FF2B5EF4-FFF2-40B4-BE49-F238E27FC236}">
+                <a16:creationId xmlns:a16="http://schemas.microsoft.com/office/drawing/2014/main" id="{42E665A6-E658-4D39-B5EA-C4A7EE5DCF3D}"/>
+              </a:ext>
+            </a:extLst>
+          </p:cNvPr>
+          <p:cNvSpPr>
+            <a:spLocks noGrp="1"/>
+          </p:cNvSpPr>
+          <p:nvPr>
+            <p:ph idx="1"/>
+          </p:nvPr>
+        </p:nvSpPr>
+        <p:spPr/>
+        <p:txBody>
+          <a:bodyPr/>
+          <a:lstStyle/>
+          <a:p>
+            <a:pPr marL="457200" indent="-457200" algn="l">
+              <a:buFontTx/>
+              <a:buChar char="-"/>
+            </a:pPr>
+            <a:r>
+              <a:rPr lang="cs-CZ" dirty="0"/>
+              <a:t>Nejnovější knihovny a runtime prostředí.</a:t>
+            </a:r>
+          </a:p>
+          <a:p>
+            <a:pPr marL="457200" indent="-457200" algn="l">
+              <a:buFontTx/>
+              <a:buChar char="-"/>
+            </a:pPr>
+            <a:r>
+              <a:rPr lang="cs-CZ" dirty="0"/>
+              <a:t>Zredukovaný počet příkladů (~ -30).</a:t>
+            </a:r>
+          </a:p>
+          <a:p>
+            <a:pPr marL="457200" indent="-457200" algn="l">
+              <a:buFontTx/>
+              <a:buChar char="-"/>
+            </a:pPr>
+            <a:r>
+              <a:rPr lang="cs-CZ" dirty="0"/>
+              <a:t>Nové UI (</a:t>
+            </a:r>
+            <a:r>
+              <a:rPr lang="cs-CZ" dirty="0" err="1"/>
+              <a:t>Servlety</a:t>
+            </a:r>
+            <a:r>
+              <a:rPr lang="cs-CZ" dirty="0"/>
+              <a:t> a JSP).</a:t>
+            </a:r>
+          </a:p>
+          <a:p>
+            <a:pPr marL="457200" indent="-457200" algn="l">
+              <a:buFontTx/>
+              <a:buChar char="-"/>
+            </a:pPr>
+            <a:r>
+              <a:rPr lang="cs-CZ" dirty="0"/>
+              <a:t>Bohatá dokumentace (komentáře, návody, </a:t>
+            </a:r>
+            <a:r>
+              <a:rPr lang="cs-CZ" dirty="0" err="1"/>
+              <a:t>Javadoc</a:t>
+            </a:r>
+            <a:r>
+              <a:rPr lang="cs-CZ" dirty="0"/>
+              <a:t>)</a:t>
+            </a:r>
+          </a:p>
+          <a:p>
+            <a:pPr marL="457200" indent="-457200" algn="l">
+              <a:buFontTx/>
+              <a:buChar char="-"/>
+            </a:pPr>
+            <a:r>
+              <a:rPr lang="cs-CZ" dirty="0" err="1"/>
+              <a:t>Refaktorovaný</a:t>
+            </a:r>
+            <a:r>
+              <a:rPr lang="cs-CZ" dirty="0"/>
+              <a:t> kód </a:t>
+            </a:r>
+            <a:r>
+              <a:rPr lang="cs-CZ" dirty="0" err="1"/>
+              <a:t>ready</a:t>
+            </a:r>
+            <a:r>
+              <a:rPr lang="cs-CZ" dirty="0"/>
+              <a:t> to </a:t>
+            </a:r>
+            <a:r>
+              <a:rPr lang="cs-CZ"/>
+              <a:t>deploy.</a:t>
+            </a:r>
+            <a:endParaRPr lang="cs-CZ" dirty="0"/>
+          </a:p>
+        </p:txBody>
+      </p:sp>
+    </p:spTree>
+    <p:extLst>
+      <p:ext uri="{BB962C8B-B14F-4D97-AF65-F5344CB8AC3E}">
+        <p14:creationId xmlns:p14="http://schemas.microsoft.com/office/powerpoint/2010/main" val="1380306746"/>
       </p:ext>
     </p:extLst>
   </p:cSld>

--- a/xbarta47_xcigan09_gja_prezentace.pptx
+++ b/xbarta47_xcigan09_gja_prezentace.pptx
@@ -2116,7 +2116,7 @@
             </a:pPr>
             <a:r>
               <a:rPr lang="cs-CZ" dirty="0"/>
-              <a:t>Aktualizovat příklady</a:t>
+              <a:t>Aktualizovat příklady.</a:t>
             </a:r>
           </a:p>
           <a:p>
@@ -2126,7 +2126,7 @@
             </a:pPr>
             <a:r>
               <a:rPr lang="cs-CZ" dirty="0"/>
-              <a:t>Zredukovat četnost</a:t>
+              <a:t>Zredukovat četnost.</a:t>
             </a:r>
           </a:p>
           <a:p>
@@ -2136,11 +2136,47 @@
             </a:pPr>
             <a:r>
               <a:rPr lang="cs-CZ" dirty="0"/>
-              <a:t>Vytvořit nové</a:t>
-            </a:r>
-          </a:p>
-        </p:txBody>
-      </p:sp>
+              <a:t>Vytvořit nové.</a:t>
+            </a:r>
+          </a:p>
+        </p:txBody>
+      </p:sp>
+      <p:pic>
+        <p:nvPicPr>
+          <p:cNvPr id="4" name="Obrázek 3">
+            <a:extLst>
+              <a:ext uri="{FF2B5EF4-FFF2-40B4-BE49-F238E27FC236}">
+                <a16:creationId xmlns:a16="http://schemas.microsoft.com/office/drawing/2014/main" id="{9944945D-4973-6641-5129-66A728B6837C}"/>
+              </a:ext>
+            </a:extLst>
+          </p:cNvPr>
+          <p:cNvPicPr>
+            <a:picLocks noChangeAspect="1"/>
+          </p:cNvPicPr>
+          <p:nvPr/>
+        </p:nvPicPr>
+        <p:blipFill>
+          <a:blip r:embed="rId2" cstate="print">
+            <a:extLst>
+              <a:ext uri="{28A0092B-C50C-407E-A947-70E740481C1C}">
+                <a14:useLocalDpi xmlns:a14="http://schemas.microsoft.com/office/drawing/2010/main" val="0"/>
+              </a:ext>
+            </a:extLst>
+          </a:blip>
+          <a:stretch>
+            <a:fillRect/>
+          </a:stretch>
+        </p:blipFill>
+        <p:spPr>
+          <a:xfrm>
+            <a:off x="4788024" y="3212976"/>
+            <a:ext cx="4767980" cy="2681989"/>
+          </a:xfrm>
+          <a:prstGeom prst="rect">
+            <a:avLst/>
+          </a:prstGeom>
+        </p:spPr>
+      </p:pic>
     </p:spTree>
     <p:extLst>
       <p:ext uri="{BB962C8B-B14F-4D97-AF65-F5344CB8AC3E}">
@@ -2233,7 +2269,7 @@
         </p:blipFill>
         <p:spPr>
           <a:xfrm>
-            <a:off x="1259632" y="4013248"/>
+            <a:off x="1014415" y="4013248"/>
             <a:ext cx="2024500" cy="2334558"/>
           </a:xfrm>
         </p:spPr>
@@ -2338,7 +2374,7 @@
         </p:blipFill>
         <p:spPr>
           <a:xfrm>
-            <a:off x="4690864" y="4293096"/>
+            <a:off x="4566256" y="4221088"/>
             <a:ext cx="3995936" cy="1774862"/>
           </a:xfrm>
           <a:prstGeom prst="rect">
@@ -2442,7 +2478,7 @@
             </a:pPr>
             <a:r>
               <a:rPr lang="cs-CZ" sz="2400" dirty="0"/>
-              <a:t>Dílčí dokumentace pro každý příkladový projekt (lepší distribuce pro studenty).</a:t>
+              <a:t>Dílčí dokumentace pro každý příkladový projekt (lepší distribuce pro studenty) – obsahuje návody a popis jednotlivých projektů.</a:t>
             </a:r>
           </a:p>
           <a:p>
@@ -2779,7 +2815,7 @@
             </a:pPr>
             <a:r>
               <a:rPr lang="cs-CZ" dirty="0"/>
-              <a:t>Nové UI (</a:t>
+              <a:t>Moderní UI (pro </a:t>
             </a:r>
             <a:r>
               <a:rPr lang="cs-CZ" dirty="0" err="1"/>
@@ -2819,7 +2855,7 @@
             </a:r>
             <a:r>
               <a:rPr lang="cs-CZ" dirty="0"/>
-              <a:t> kód </a:t>
+              <a:t> kód - </a:t>
             </a:r>
             <a:r>
               <a:rPr lang="cs-CZ" dirty="0" err="1"/>
@@ -2830,10 +2866,13 @@
               <a:t> to </a:t>
             </a:r>
             <a:r>
-              <a:rPr lang="cs-CZ"/>
-              <a:t>deploy.</a:t>
-            </a:r>
-            <a:endParaRPr lang="cs-CZ" dirty="0"/>
+              <a:rPr lang="cs-CZ" dirty="0" err="1"/>
+              <a:t>deploy</a:t>
+            </a:r>
+            <a:r>
+              <a:rPr lang="cs-CZ" dirty="0"/>
+              <a:t>.</a:t>
+            </a:r>
           </a:p>
         </p:txBody>
       </p:sp>
